--- a/Presentation materials/Презентация.pptx
+++ b/Presentation materials/Презентация.pptx
@@ -5,7 +5,7 @@
     <p:sldMasterId id="2147483648" r:id="rId1"/>
   </p:sldMasterIdLst>
   <p:notesMasterIdLst>
-    <p:notesMasterId r:id="rId11"/>
+    <p:notesMasterId r:id="rId12"/>
   </p:notesMasterIdLst>
   <p:sldIdLst>
     <p:sldId id="256" r:id="rId2"/>
@@ -14,9 +14,10 @@
     <p:sldId id="259" r:id="rId5"/>
     <p:sldId id="260" r:id="rId6"/>
     <p:sldId id="261" r:id="rId7"/>
-    <p:sldId id="262" r:id="rId8"/>
-    <p:sldId id="263" r:id="rId9"/>
-    <p:sldId id="264" r:id="rId10"/>
+    <p:sldId id="265" r:id="rId8"/>
+    <p:sldId id="262" r:id="rId9"/>
+    <p:sldId id="263" r:id="rId10"/>
+    <p:sldId id="264" r:id="rId11"/>
   </p:sldIdLst>
   <p:sldSz cx="24384000" cy="13716000"/>
   <p:notesSz cx="6858000" cy="9144000"/>
@@ -318,6 +319,11 @@
       </a:defRPr>
     </a:lvl9pPr>
   </p:defaultTextStyle>
+  <p:extLst>
+    <p:ext uri="{EFAFB233-063F-42B5-8137-9DF3F51BA10A}">
+      <p15:sldGuideLst xmlns:p15="http://schemas.microsoft.com/office/powerpoint/2012/main"/>
+    </p:ext>
+  </p:extLst>
 </p:presentation>
 </file>
 
@@ -4145,7 +4151,7 @@
           </a:ln>
           <a:extLst>
             <a:ext uri="{C572A759-6A51-4108-AA02-DFA0A04FC94B}">
-              <ma14:wrappingTextBoxFlag xmlns:ma14="http://schemas.microsoft.com/office/mac/drawingml/2011/main" xmlns:a14="http://schemas.microsoft.com/office/drawing/2010/main" xmlns:m="http://schemas.openxmlformats.org/officeDocument/2006/math" xmlns="" val="1"/>
+              <ma14:wrappingTextBoxFlag xmlns="" xmlns:m="http://schemas.openxmlformats.org/officeDocument/2006/math" xmlns:a14="http://schemas.microsoft.com/office/drawing/2010/main" xmlns:ma14="http://schemas.microsoft.com/office/mac/drawingml/2011/main" val="1"/>
             </a:ext>
           </a:extLst>
         </p:spPr>
@@ -4184,7 +4190,7 @@
           </a:ln>
           <a:extLst>
             <a:ext uri="{C572A759-6A51-4108-AA02-DFA0A04FC94B}">
-              <ma14:wrappingTextBoxFlag xmlns:ma14="http://schemas.microsoft.com/office/mac/drawingml/2011/main" xmlns:a14="http://schemas.microsoft.com/office/drawing/2010/main" xmlns:m="http://schemas.openxmlformats.org/officeDocument/2006/math" xmlns="" val="1"/>
+              <ma14:wrappingTextBoxFlag xmlns="" xmlns:m="http://schemas.openxmlformats.org/officeDocument/2006/math" xmlns:a14="http://schemas.microsoft.com/office/drawing/2010/main" xmlns:ma14="http://schemas.microsoft.com/office/mac/drawingml/2011/main" val="1"/>
             </a:ext>
           </a:extLst>
         </p:spPr>
@@ -5174,7 +5180,7 @@
           </a:ln>
           <a:extLst>
             <a:ext uri="{C572A759-6A51-4108-AA02-DFA0A04FC94B}">
-              <ma14:wrappingTextBoxFlag xmlns:ma14="http://schemas.microsoft.com/office/mac/drawingml/2011/main" xmlns:a14="http://schemas.microsoft.com/office/drawing/2010/main" xmlns:m="http://schemas.openxmlformats.org/officeDocument/2006/math" xmlns="" val="1"/>
+              <ma14:wrappingTextBoxFlag xmlns="" xmlns:m="http://schemas.openxmlformats.org/officeDocument/2006/math" xmlns:a14="http://schemas.microsoft.com/office/drawing/2010/main" xmlns:ma14="http://schemas.microsoft.com/office/mac/drawingml/2011/main" val="1"/>
             </a:ext>
           </a:extLst>
         </p:spPr>
@@ -5227,7 +5233,7 @@
           </a:ln>
           <a:extLst>
             <a:ext uri="{C572A759-6A51-4108-AA02-DFA0A04FC94B}">
-              <ma14:wrappingTextBoxFlag xmlns:ma14="http://schemas.microsoft.com/office/mac/drawingml/2011/main" xmlns:a14="http://schemas.microsoft.com/office/drawing/2010/main" xmlns:m="http://schemas.openxmlformats.org/officeDocument/2006/math" xmlns="" val="1"/>
+              <ma14:wrappingTextBoxFlag xmlns="" xmlns:m="http://schemas.openxmlformats.org/officeDocument/2006/math" xmlns:a14="http://schemas.microsoft.com/office/drawing/2010/main" xmlns:ma14="http://schemas.microsoft.com/office/mac/drawingml/2011/main" val="1"/>
             </a:ext>
           </a:extLst>
         </p:spPr>
@@ -5270,7 +5276,7 @@
           </a:ln>
           <a:extLst>
             <a:ext uri="{C572A759-6A51-4108-AA02-DFA0A04FC94B}">
-              <ma14:wrappingTextBoxFlag xmlns:ma14="http://schemas.microsoft.com/office/mac/drawingml/2011/main" xmlns:a14="http://schemas.microsoft.com/office/drawing/2010/main" xmlns:m="http://schemas.openxmlformats.org/officeDocument/2006/math" xmlns="" val="1"/>
+              <ma14:wrappingTextBoxFlag xmlns="" xmlns:m="http://schemas.openxmlformats.org/officeDocument/2006/math" xmlns:a14="http://schemas.microsoft.com/office/drawing/2010/main" xmlns:ma14="http://schemas.microsoft.com/office/mac/drawingml/2011/main" val="1"/>
             </a:ext>
           </a:extLst>
         </p:spPr>
@@ -5333,7 +5339,7 @@
           </a:ln>
           <a:extLst>
             <a:ext uri="{C572A759-6A51-4108-AA02-DFA0A04FC94B}">
-              <ma14:wrappingTextBoxFlag xmlns:ma14="http://schemas.microsoft.com/office/mac/drawingml/2011/main" xmlns:a14="http://schemas.microsoft.com/office/drawing/2010/main" xmlns:m="http://schemas.openxmlformats.org/officeDocument/2006/math" xmlns="" val="1"/>
+              <ma14:wrappingTextBoxFlag xmlns="" xmlns:m="http://schemas.openxmlformats.org/officeDocument/2006/math" xmlns:a14="http://schemas.microsoft.com/office/drawing/2010/main" xmlns:ma14="http://schemas.microsoft.com/office/mac/drawingml/2011/main" val="1"/>
             </a:ext>
           </a:extLst>
         </p:spPr>
@@ -5386,7 +5392,7 @@
           </a:ln>
           <a:extLst>
             <a:ext uri="{C572A759-6A51-4108-AA02-DFA0A04FC94B}">
-              <ma14:wrappingTextBoxFlag xmlns:ma14="http://schemas.microsoft.com/office/mac/drawingml/2011/main" xmlns:a14="http://schemas.microsoft.com/office/drawing/2010/main" xmlns:m="http://schemas.openxmlformats.org/officeDocument/2006/math" xmlns="" val="1"/>
+              <ma14:wrappingTextBoxFlag xmlns="" xmlns:m="http://schemas.openxmlformats.org/officeDocument/2006/math" xmlns:a14="http://schemas.microsoft.com/office/drawing/2010/main" xmlns:ma14="http://schemas.microsoft.com/office/mac/drawingml/2011/main" val="1"/>
             </a:ext>
           </a:extLst>
         </p:spPr>
@@ -5439,7 +5445,7 @@
           </a:ln>
           <a:extLst>
             <a:ext uri="{C572A759-6A51-4108-AA02-DFA0A04FC94B}">
-              <ma14:wrappingTextBoxFlag xmlns:ma14="http://schemas.microsoft.com/office/mac/drawingml/2011/main" xmlns:a14="http://schemas.microsoft.com/office/drawing/2010/main" xmlns:m="http://schemas.openxmlformats.org/officeDocument/2006/math" xmlns="" val="1"/>
+              <ma14:wrappingTextBoxFlag xmlns="" xmlns:m="http://schemas.openxmlformats.org/officeDocument/2006/math" xmlns:a14="http://schemas.microsoft.com/office/drawing/2010/main" xmlns:ma14="http://schemas.microsoft.com/office/mac/drawingml/2011/main" val="1"/>
             </a:ext>
           </a:extLst>
         </p:spPr>
@@ -5492,7 +5498,7 @@
           </a:ln>
           <a:extLst>
             <a:ext uri="{C572A759-6A51-4108-AA02-DFA0A04FC94B}">
-              <ma14:wrappingTextBoxFlag xmlns:ma14="http://schemas.microsoft.com/office/mac/drawingml/2011/main" xmlns:a14="http://schemas.microsoft.com/office/drawing/2010/main" xmlns:m="http://schemas.openxmlformats.org/officeDocument/2006/math" xmlns="" val="1"/>
+              <ma14:wrappingTextBoxFlag xmlns="" xmlns:m="http://schemas.openxmlformats.org/officeDocument/2006/math" xmlns:a14="http://schemas.microsoft.com/office/drawing/2010/main" xmlns:ma14="http://schemas.microsoft.com/office/mac/drawingml/2011/main" val="1"/>
             </a:ext>
           </a:extLst>
         </p:spPr>
@@ -5516,6 +5522,195 @@
           </a:p>
         </p:txBody>
       </p:sp>
+    </p:spTree>
+  </p:cSld>
+  <p:clrMapOvr>
+    <a:masterClrMapping/>
+  </p:clrMapOvr>
+  <p:transition spd="med"/>
+</p:sld>
+</file>
+
+<file path=ppt/slides/slide10.xml><?xml version="1.0" encoding="utf-8"?>
+<p:sld xmlns:a="http://schemas.openxmlformats.org/drawingml/2006/main" xmlns:r="http://schemas.openxmlformats.org/officeDocument/2006/relationships" xmlns:p="http://schemas.openxmlformats.org/presentationml/2006/main">
+  <p:cSld>
+    <p:bg>
+      <p:bgPr>
+        <a:solidFill>
+          <a:srgbClr val="1A232D"/>
+        </a:solidFill>
+        <a:effectLst/>
+      </p:bgPr>
+    </p:bg>
+    <p:spTree>
+      <p:nvGrpSpPr>
+        <p:cNvPr id="1" name=""/>
+        <p:cNvGrpSpPr/>
+        <p:nvPr/>
+      </p:nvGrpSpPr>
+      <p:grpSpPr>
+        <a:xfrm>
+          <a:off x="0" y="0"/>
+          <a:ext cx="0" cy="0"/>
+          <a:chOff x="0" y="0"/>
+          <a:chExt cx="0" cy="0"/>
+        </a:xfrm>
+      </p:grpSpPr>
+      <p:sp>
+        <p:nvSpPr>
+          <p:cNvPr id="214" name="Конец"/>
+          <p:cNvSpPr txBox="1"/>
+          <p:nvPr/>
+        </p:nvSpPr>
+        <p:spPr>
+          <a:xfrm>
+            <a:off x="2212171" y="4364681"/>
+            <a:ext cx="11997790" cy="1714431"/>
+          </a:xfrm>
+          <a:prstGeom prst="rect">
+            <a:avLst/>
+          </a:prstGeom>
+          <a:ln w="12700">
+            <a:miter lim="400000"/>
+          </a:ln>
+          <a:extLst>
+            <a:ext uri="{C572A759-6A51-4108-AA02-DFA0A04FC94B}">
+              <ma14:wrappingTextBoxFlag xmlns="" xmlns:m="http://schemas.openxmlformats.org/officeDocument/2006/math" xmlns:a14="http://schemas.microsoft.com/office/drawing/2010/main" xmlns:ma14="http://schemas.microsoft.com/office/mac/drawingml/2011/main" val="1"/>
+            </a:ext>
+          </a:extLst>
+        </p:spPr>
+        <p:txBody>
+          <a:bodyPr lIns="50800" tIns="50800" rIns="50800" bIns="50800">
+            <a:normAutofit/>
+          </a:bodyPr>
+          <a:lstStyle>
+            <a:lvl1pPr>
+              <a:lnSpc>
+                <a:spcPct val="80000"/>
+              </a:lnSpc>
+              <a:spcBef>
+                <a:spcPts val="0"/>
+              </a:spcBef>
+              <a:defRPr sz="5000" cap="all">
+                <a:solidFill>
+                  <a:schemeClr val="accent1"/>
+                </a:solidFill>
+                <a:latin typeface="+mn-lt"/>
+                <a:ea typeface="+mn-ea"/>
+                <a:cs typeface="+mn-cs"/>
+                <a:sym typeface="DIN Condensed Bold"/>
+              </a:defRPr>
+            </a:lvl1pPr>
+          </a:lstStyle>
+          <a:p>
+            <a:r>
+              <a:t>Конец</a:t>
+            </a:r>
+          </a:p>
+        </p:txBody>
+      </p:sp>
+      <p:sp>
+        <p:nvSpPr>
+          <p:cNvPr id="215" name="Спасибо…"/>
+          <p:cNvSpPr txBox="1"/>
+          <p:nvPr/>
+        </p:nvSpPr>
+        <p:spPr>
+          <a:xfrm>
+            <a:off x="2125611" y="5220798"/>
+            <a:ext cx="13945331" cy="4130521"/>
+          </a:xfrm>
+          <a:prstGeom prst="rect">
+            <a:avLst/>
+          </a:prstGeom>
+          <a:ln w="12700">
+            <a:miter lim="400000"/>
+          </a:ln>
+          <a:extLst>
+            <a:ext uri="{C572A759-6A51-4108-AA02-DFA0A04FC94B}">
+              <ma14:wrappingTextBoxFlag xmlns="" xmlns:m="http://schemas.openxmlformats.org/officeDocument/2006/math" xmlns:a14="http://schemas.microsoft.com/office/drawing/2010/main" xmlns:ma14="http://schemas.microsoft.com/office/mac/drawingml/2011/main" val="1"/>
+            </a:ext>
+          </a:extLst>
+        </p:spPr>
+        <p:txBody>
+          <a:bodyPr lIns="50800" tIns="50800" rIns="50800" bIns="50800">
+            <a:normAutofit/>
+          </a:bodyPr>
+          <a:lstStyle/>
+          <a:p>
+            <a:pPr>
+              <a:lnSpc>
+                <a:spcPct val="80000"/>
+              </a:lnSpc>
+              <a:spcBef>
+                <a:spcPts val="0"/>
+              </a:spcBef>
+              <a:defRPr sz="13000" cap="all">
+                <a:solidFill>
+                  <a:srgbClr val="FFFFFF"/>
+                </a:solidFill>
+                <a:latin typeface="+mn-lt"/>
+                <a:ea typeface="+mn-ea"/>
+                <a:cs typeface="+mn-cs"/>
+                <a:sym typeface="DIN Condensed Bold"/>
+              </a:defRPr>
+            </a:pPr>
+            <a:r>
+              <a:t>Спасибо </a:t>
+            </a:r>
+          </a:p>
+          <a:p>
+            <a:pPr>
+              <a:lnSpc>
+                <a:spcPct val="80000"/>
+              </a:lnSpc>
+              <a:spcBef>
+                <a:spcPts val="0"/>
+              </a:spcBef>
+              <a:defRPr sz="13000" cap="all">
+                <a:solidFill>
+                  <a:srgbClr val="FFFFFF"/>
+                </a:solidFill>
+                <a:latin typeface="+mn-lt"/>
+                <a:ea typeface="+mn-ea"/>
+                <a:cs typeface="+mn-cs"/>
+                <a:sym typeface="DIN Condensed Bold"/>
+              </a:defRPr>
+            </a:pPr>
+            <a:r>
+              <a:t>за внимание</a:t>
+            </a:r>
+          </a:p>
+        </p:txBody>
+      </p:sp>
+      <p:pic>
+        <p:nvPicPr>
+          <p:cNvPr id="216" name="0_DypQzAMdE9cudggX.jpeg" descr="0_DypQzAMdE9cudggX.jpeg"/>
+          <p:cNvPicPr>
+            <a:picLocks noChangeAspect="1"/>
+          </p:cNvPicPr>
+          <p:nvPr/>
+        </p:nvPicPr>
+        <p:blipFill>
+          <a:blip r:embed="rId2"/>
+          <a:srcRect l="24982" r="24982"/>
+          <a:stretch>
+            <a:fillRect/>
+          </a:stretch>
+        </p:blipFill>
+        <p:spPr>
+          <a:xfrm>
+            <a:off x="14080577" y="0"/>
+            <a:ext cx="10287001" cy="13716000"/>
+          </a:xfrm>
+          <a:prstGeom prst="rect">
+            <a:avLst/>
+          </a:prstGeom>
+          <a:ln w="12700">
+            <a:miter lim="400000"/>
+          </a:ln>
+        </p:spPr>
+      </p:pic>
     </p:spTree>
   </p:cSld>
   <p:clrMapOvr>
@@ -5569,7 +5764,7 @@
           </a:ln>
           <a:extLst>
             <a:ext uri="{C572A759-6A51-4108-AA02-DFA0A04FC94B}">
-              <ma14:wrappingTextBoxFlag xmlns:ma14="http://schemas.microsoft.com/office/mac/drawingml/2011/main" xmlns:a14="http://schemas.microsoft.com/office/drawing/2010/main" xmlns:m="http://schemas.openxmlformats.org/officeDocument/2006/math" xmlns="" val="1"/>
+              <ma14:wrappingTextBoxFlag xmlns="" xmlns:m="http://schemas.openxmlformats.org/officeDocument/2006/math" xmlns:a14="http://schemas.microsoft.com/office/drawing/2010/main" xmlns:ma14="http://schemas.microsoft.com/office/mac/drawingml/2011/main" val="1"/>
             </a:ext>
           </a:extLst>
         </p:spPr>
@@ -5622,7 +5817,7 @@
           </a:ln>
           <a:extLst>
             <a:ext uri="{C572A759-6A51-4108-AA02-DFA0A04FC94B}">
-              <ma14:wrappingTextBoxFlag xmlns:ma14="http://schemas.microsoft.com/office/mac/drawingml/2011/main" xmlns:a14="http://schemas.microsoft.com/office/drawing/2010/main" xmlns:m="http://schemas.openxmlformats.org/officeDocument/2006/math" xmlns="" val="1"/>
+              <ma14:wrappingTextBoxFlag xmlns="" xmlns:m="http://schemas.openxmlformats.org/officeDocument/2006/math" xmlns:a14="http://schemas.microsoft.com/office/drawing/2010/main" xmlns:ma14="http://schemas.microsoft.com/office/mac/drawingml/2011/main" val="1"/>
             </a:ext>
           </a:extLst>
         </p:spPr>
@@ -5689,11 +5884,11 @@
   <p:clrMapOvr>
     <a:masterClrMapping/>
   </p:clrMapOvr>
-  <mc:AlternateContent xmlns:mc="http://schemas.openxmlformats.org/markup-compatibility/2006">
-    <mc:Choice xmlns:p14="http://schemas.microsoft.com/office/powerpoint/2010/main" Requires="p14">
+  <mc:AlternateContent xmlns:mc="http://schemas.openxmlformats.org/markup-compatibility/2006" xmlns:p14="http://schemas.microsoft.com/office/powerpoint/2010/main">
+    <mc:Choice Requires="p14">
       <p:transition p14:dur="0"/>
     </mc:Choice>
-    <mc:Fallback>
+    <mc:Fallback xmlns="">
       <p:transition/>
     </mc:Fallback>
   </mc:AlternateContent>
@@ -5823,11 +6018,11 @@
   <p:clrMapOvr>
     <a:masterClrMapping/>
   </p:clrMapOvr>
-  <mc:AlternateContent xmlns:mc="http://schemas.openxmlformats.org/markup-compatibility/2006">
-    <mc:Choice xmlns:p14="http://schemas.microsoft.com/office/powerpoint/2010/main" Requires="p14">
+  <mc:AlternateContent xmlns:mc="http://schemas.openxmlformats.org/markup-compatibility/2006" xmlns:p14="http://schemas.microsoft.com/office/powerpoint/2010/main">
+    <mc:Choice Requires="p14">
       <p:transition p14:dur="0"/>
     </mc:Choice>
-    <mc:Fallback>
+    <mc:Fallback xmlns="">
       <p:transition/>
     </mc:Fallback>
   </mc:AlternateContent>
@@ -6008,11 +6203,11 @@
   <p:clrMapOvr>
     <a:masterClrMapping/>
   </p:clrMapOvr>
-  <mc:AlternateContent xmlns:mc="http://schemas.openxmlformats.org/markup-compatibility/2006">
-    <mc:Choice xmlns:p14="http://schemas.microsoft.com/office/powerpoint/2010/main" Requires="p14">
+  <mc:AlternateContent xmlns:mc="http://schemas.openxmlformats.org/markup-compatibility/2006" xmlns:p14="http://schemas.microsoft.com/office/powerpoint/2010/main">
+    <mc:Choice Requires="p14">
       <p:transition p14:dur="0"/>
     </mc:Choice>
-    <mc:Fallback>
+    <mc:Fallback xmlns="">
       <p:transition/>
     </mc:Fallback>
   </mc:AlternateContent>
@@ -6142,11 +6337,11 @@
   <p:clrMapOvr>
     <a:masterClrMapping/>
   </p:clrMapOvr>
-  <mc:AlternateContent xmlns:mc="http://schemas.openxmlformats.org/markup-compatibility/2006">
-    <mc:Choice xmlns:p14="http://schemas.microsoft.com/office/powerpoint/2010/main" Requires="p14">
+  <mc:AlternateContent xmlns:mc="http://schemas.openxmlformats.org/markup-compatibility/2006" xmlns:p14="http://schemas.microsoft.com/office/powerpoint/2010/main">
+    <mc:Choice Requires="p14">
       <p:transition p14:dur="0"/>
     </mc:Choice>
-    <mc:Fallback>
+    <mc:Fallback xmlns="">
       <p:transition/>
     </mc:Fallback>
   </mc:AlternateContent>
@@ -6197,7 +6392,7 @@
           </a:ln>
           <a:extLst>
             <a:ext uri="{C572A759-6A51-4108-AA02-DFA0A04FC94B}">
-              <ma14:wrappingTextBoxFlag xmlns:ma14="http://schemas.microsoft.com/office/mac/drawingml/2011/main" xmlns:a14="http://schemas.microsoft.com/office/drawing/2010/main" xmlns:m="http://schemas.openxmlformats.org/officeDocument/2006/math" xmlns="" val="1"/>
+              <ma14:wrappingTextBoxFlag xmlns="" xmlns:m="http://schemas.openxmlformats.org/officeDocument/2006/math" xmlns:a14="http://schemas.microsoft.com/office/drawing/2010/main" xmlns:ma14="http://schemas.microsoft.com/office/mac/drawingml/2011/main" val="1"/>
             </a:ext>
           </a:extLst>
         </p:spPr>
@@ -6250,7 +6445,7 @@
           </a:ln>
           <a:extLst>
             <a:ext uri="{C572A759-6A51-4108-AA02-DFA0A04FC94B}">
-              <ma14:wrappingTextBoxFlag xmlns:ma14="http://schemas.microsoft.com/office/mac/drawingml/2011/main" xmlns:a14="http://schemas.microsoft.com/office/drawing/2010/main" xmlns:m="http://schemas.openxmlformats.org/officeDocument/2006/math" xmlns="" val="1"/>
+              <ma14:wrappingTextBoxFlag xmlns="" xmlns:m="http://schemas.openxmlformats.org/officeDocument/2006/math" xmlns:a14="http://schemas.microsoft.com/office/drawing/2010/main" xmlns:ma14="http://schemas.microsoft.com/office/mac/drawingml/2011/main" val="1"/>
             </a:ext>
           </a:extLst>
         </p:spPr>
@@ -6317,11 +6512,11 @@
   <p:clrMapOvr>
     <a:masterClrMapping/>
   </p:clrMapOvr>
-  <mc:AlternateContent xmlns:mc="http://schemas.openxmlformats.org/markup-compatibility/2006">
-    <mc:Choice xmlns:p14="http://schemas.microsoft.com/office/powerpoint/2010/main" Requires="p14">
+  <mc:AlternateContent xmlns:mc="http://schemas.openxmlformats.org/markup-compatibility/2006" xmlns:p14="http://schemas.microsoft.com/office/powerpoint/2010/main">
+    <mc:Choice Requires="p14">
       <p:transition p14:dur="0"/>
     </mc:Choice>
-    <mc:Fallback>
+    <mc:Fallback xmlns="">
       <p:transition/>
     </mc:Fallback>
   </mc:AlternateContent>
@@ -6331,14 +6526,6 @@
 <file path=ppt/slides/slide7.xml><?xml version="1.0" encoding="utf-8"?>
 <p:sld xmlns:a="http://schemas.openxmlformats.org/drawingml/2006/main" xmlns:r="http://schemas.openxmlformats.org/officeDocument/2006/relationships" xmlns:p="http://schemas.openxmlformats.org/presentationml/2006/main">
   <p:cSld>
-    <p:bg>
-      <p:bgPr>
-        <a:solidFill>
-          <a:srgbClr val="1A232D"/>
-        </a:solidFill>
-        <a:effectLst/>
-      </p:bgPr>
-    </p:bg>
     <p:spTree>
       <p:nvGrpSpPr>
         <p:cNvPr id="1" name=""/>
@@ -6353,115 +6540,9 @@
           <a:chExt cx="0" cy="0"/>
         </a:xfrm>
       </p:grpSpPr>
-      <p:sp>
-        <p:nvSpPr>
-          <p:cNvPr id="204" name="03"/>
-          <p:cNvSpPr txBox="1"/>
-          <p:nvPr/>
-        </p:nvSpPr>
-        <p:spPr>
-          <a:xfrm>
-            <a:off x="2399381" y="4472807"/>
-            <a:ext cx="11997789" cy="1714431"/>
-          </a:xfrm>
-          <a:prstGeom prst="rect">
-            <a:avLst/>
-          </a:prstGeom>
-          <a:ln w="12700">
-            <a:miter lim="400000"/>
-          </a:ln>
-          <a:extLst>
-            <a:ext uri="{C572A759-6A51-4108-AA02-DFA0A04FC94B}">
-              <ma14:wrappingTextBoxFlag xmlns:ma14="http://schemas.microsoft.com/office/mac/drawingml/2011/main" xmlns:a14="http://schemas.microsoft.com/office/drawing/2010/main" xmlns:m="http://schemas.openxmlformats.org/officeDocument/2006/math" xmlns="" val="1"/>
-            </a:ext>
-          </a:extLst>
-        </p:spPr>
-        <p:txBody>
-          <a:bodyPr lIns="50800" tIns="50800" rIns="50800" bIns="50800">
-            <a:normAutofit/>
-          </a:bodyPr>
-          <a:lstStyle>
-            <a:lvl1pPr defTabSz="800735">
-              <a:lnSpc>
-                <a:spcPct val="80000"/>
-              </a:lnSpc>
-              <a:spcBef>
-                <a:spcPts val="0"/>
-              </a:spcBef>
-              <a:defRPr sz="12610" cap="all">
-                <a:solidFill>
-                  <a:schemeClr val="accent1"/>
-                </a:solidFill>
-                <a:latin typeface="+mn-lt"/>
-                <a:ea typeface="+mn-ea"/>
-                <a:cs typeface="+mn-cs"/>
-                <a:sym typeface="DIN Condensed Bold"/>
-              </a:defRPr>
-            </a:lvl1pPr>
-          </a:lstStyle>
-          <a:p>
-            <a:r>
-              <a:t>03</a:t>
-            </a:r>
-          </a:p>
-        </p:txBody>
-      </p:sp>
-      <p:sp>
-        <p:nvSpPr>
-          <p:cNvPr id="205" name="ИТОГИ"/>
-          <p:cNvSpPr txBox="1"/>
-          <p:nvPr/>
-        </p:nvSpPr>
-        <p:spPr>
-          <a:xfrm>
-            <a:off x="2383023" y="5960755"/>
-            <a:ext cx="12030505" cy="2905670"/>
-          </a:xfrm>
-          <a:prstGeom prst="rect">
-            <a:avLst/>
-          </a:prstGeom>
-          <a:ln w="12700">
-            <a:miter lim="400000"/>
-          </a:ln>
-          <a:extLst>
-            <a:ext uri="{C572A759-6A51-4108-AA02-DFA0A04FC94B}">
-              <ma14:wrappingTextBoxFlag xmlns:ma14="http://schemas.microsoft.com/office/mac/drawingml/2011/main" xmlns:a14="http://schemas.microsoft.com/office/drawing/2010/main" xmlns:m="http://schemas.openxmlformats.org/officeDocument/2006/math" xmlns="" val="1"/>
-            </a:ext>
-          </a:extLst>
-        </p:spPr>
-        <p:txBody>
-          <a:bodyPr lIns="50800" tIns="50800" rIns="50800" bIns="50800">
-            <a:normAutofit/>
-          </a:bodyPr>
-          <a:lstStyle>
-            <a:lvl1pPr>
-              <a:lnSpc>
-                <a:spcPct val="80000"/>
-              </a:lnSpc>
-              <a:spcBef>
-                <a:spcPts val="0"/>
-              </a:spcBef>
-              <a:defRPr sz="13000" cap="all">
-                <a:solidFill>
-                  <a:srgbClr val="FFFFFF"/>
-                </a:solidFill>
-                <a:latin typeface="+mn-lt"/>
-                <a:ea typeface="+mn-ea"/>
-                <a:cs typeface="+mn-cs"/>
-                <a:sym typeface="DIN Condensed Bold"/>
-              </a:defRPr>
-            </a:lvl1pPr>
-          </a:lstStyle>
-          <a:p>
-            <a:r>
-              <a:t>ИТОГИ</a:t>
-            </a:r>
-          </a:p>
-        </p:txBody>
-      </p:sp>
       <p:pic>
         <p:nvPicPr>
-          <p:cNvPr id="206" name="datascience-og.jpg" descr="datascience-og.jpg"/>
+          <p:cNvPr id="204" name="ffdfdfdf.png" descr="ffdfdfdf.png"/>
           <p:cNvPicPr>
             <a:picLocks noChangeAspect="1"/>
           </p:cNvPicPr>
@@ -6469,15 +6550,41 @@
         </p:nvPicPr>
         <p:blipFill>
           <a:blip r:embed="rId2"/>
-          <a:srcRect l="28906" r="28906"/>
           <a:stretch>
             <a:fillRect/>
           </a:stretch>
         </p:blipFill>
         <p:spPr>
           <a:xfrm>
-            <a:off x="14083727" y="-1"/>
-            <a:ext cx="10287001" cy="13716001"/>
+            <a:off x="1714873" y="-1"/>
+            <a:ext cx="13716001" cy="13716001"/>
+          </a:xfrm>
+          <a:prstGeom prst="rect">
+            <a:avLst/>
+          </a:prstGeom>
+          <a:ln w="12700">
+            <a:miter lim="400000"/>
+          </a:ln>
+        </p:spPr>
+      </p:pic>
+      <p:pic>
+        <p:nvPicPr>
+          <p:cNvPr id="205" name="sdsdsds.png" descr="sdsdsds.png"/>
+          <p:cNvPicPr>
+            <a:picLocks noChangeAspect="1"/>
+          </p:cNvPicPr>
+          <p:nvPr/>
+        </p:nvPicPr>
+        <p:blipFill>
+          <a:blip r:embed="rId3"/>
+          <a:stretch>
+            <a:fillRect/>
+          </a:stretch>
+        </p:blipFill>
+        <p:spPr>
+          <a:xfrm>
+            <a:off x="7732084" y="0"/>
+            <a:ext cx="13716001" cy="13716001"/>
           </a:xfrm>
           <a:prstGeom prst="rect">
             <a:avLst/>
@@ -6523,14 +6630,14 @@
       </p:grpSpPr>
       <p:sp>
         <p:nvSpPr>
-          <p:cNvPr id="208" name="Предельная прозрачность"/>
+          <p:cNvPr id="204" name="03"/>
           <p:cNvSpPr txBox="1"/>
           <p:nvPr/>
         </p:nvSpPr>
         <p:spPr>
           <a:xfrm>
-            <a:off x="4285083" y="3208945"/>
-            <a:ext cx="12878668" cy="1516403"/>
+            <a:off x="2399381" y="4472807"/>
+            <a:ext cx="11997789" cy="1714431"/>
           </a:xfrm>
           <a:prstGeom prst="rect">
             <a:avLst/>
@@ -6540,7 +6647,7 @@
           </a:ln>
           <a:extLst>
             <a:ext uri="{C572A759-6A51-4108-AA02-DFA0A04FC94B}">
-              <ma14:wrappingTextBoxFlag xmlns:ma14="http://schemas.microsoft.com/office/mac/drawingml/2011/main" xmlns:a14="http://schemas.microsoft.com/office/drawing/2010/main" xmlns:m="http://schemas.openxmlformats.org/officeDocument/2006/math" xmlns="" val="1"/>
+              <ma14:wrappingTextBoxFlag xmlns="" xmlns:m="http://schemas.openxmlformats.org/officeDocument/2006/math" xmlns:a14="http://schemas.microsoft.com/office/drawing/2010/main" xmlns:ma14="http://schemas.microsoft.com/office/mac/drawingml/2011/main" val="1"/>
             </a:ext>
           </a:extLst>
         </p:spPr>
@@ -6549,20 +6656,14 @@
             <a:normAutofit/>
           </a:bodyPr>
           <a:lstStyle>
-            <a:lvl1pPr marL="859895" indent="-859895">
+            <a:lvl1pPr defTabSz="800735">
               <a:lnSpc>
                 <a:spcPct val="80000"/>
               </a:lnSpc>
               <a:spcBef>
-                <a:spcPts val="3900"/>
+                <a:spcPts val="0"/>
               </a:spcBef>
-              <a:buClr>
-                <a:schemeClr val="accent1"/>
-              </a:buClr>
-              <a:buSzPct val="104999"/>
-              <a:buFont typeface="Avenir Next Regular"/>
-              <a:buChar char="‣"/>
-              <a:defRPr sz="8300" cap="all">
+              <a:defRPr sz="12610" cap="all">
                 <a:solidFill>
                   <a:schemeClr val="accent1"/>
                 </a:solidFill>
@@ -6575,31 +6676,21 @@
           </a:lstStyle>
           <a:p>
             <a:r>
-              <a:rPr sz="7200" dirty="0" err="1"/>
-              <a:t>Предельная</a:t>
-            </a:r>
-            <a:r>
-              <a:rPr sz="7200" dirty="0"/>
-              <a:t> </a:t>
-            </a:r>
-            <a:r>
-              <a:rPr sz="7200" dirty="0" err="1"/>
-              <a:t>прозрачность</a:t>
-            </a:r>
-            <a:endParaRPr sz="7200" dirty="0"/>
+              <a:t>03</a:t>
+            </a:r>
           </a:p>
         </p:txBody>
       </p:sp>
       <p:sp>
         <p:nvSpPr>
-          <p:cNvPr id="209" name="Гибкость"/>
+          <p:cNvPr id="205" name="ИТОГИ"/>
           <p:cNvSpPr txBox="1"/>
           <p:nvPr/>
         </p:nvSpPr>
         <p:spPr>
           <a:xfrm>
-            <a:off x="4314867" y="4742718"/>
-            <a:ext cx="12819101" cy="1423913"/>
+            <a:off x="2383023" y="5960755"/>
+            <a:ext cx="12030505" cy="2905670"/>
           </a:xfrm>
           <a:prstGeom prst="rect">
             <a:avLst/>
@@ -6609,7 +6700,7 @@
           </a:ln>
           <a:extLst>
             <a:ext uri="{C572A759-6A51-4108-AA02-DFA0A04FC94B}">
-              <ma14:wrappingTextBoxFlag xmlns:ma14="http://schemas.microsoft.com/office/mac/drawingml/2011/main" xmlns:a14="http://schemas.microsoft.com/office/drawing/2010/main" xmlns:m="http://schemas.openxmlformats.org/officeDocument/2006/math" xmlns="" val="1"/>
+              <ma14:wrappingTextBoxFlag xmlns="" xmlns:m="http://schemas.openxmlformats.org/officeDocument/2006/math" xmlns:a14="http://schemas.microsoft.com/office/drawing/2010/main" xmlns:ma14="http://schemas.microsoft.com/office/mac/drawingml/2011/main" val="1"/>
             </a:ext>
           </a:extLst>
         </p:spPr>
@@ -6618,22 +6709,16 @@
             <a:normAutofit/>
           </a:bodyPr>
           <a:lstStyle>
-            <a:lvl1pPr marL="859895" indent="-859895">
+            <a:lvl1pPr>
               <a:lnSpc>
                 <a:spcPct val="80000"/>
               </a:lnSpc>
               <a:spcBef>
-                <a:spcPts val="3900"/>
+                <a:spcPts val="0"/>
               </a:spcBef>
-              <a:buClr>
-                <a:schemeClr val="accent1"/>
-              </a:buClr>
-              <a:buSzPct val="104999"/>
-              <a:buFont typeface="Avenir Next Regular"/>
-              <a:buChar char="‣"/>
-              <a:defRPr sz="8300" cap="all">
+              <a:defRPr sz="13000" cap="all">
                 <a:solidFill>
-                  <a:schemeClr val="accent1"/>
+                  <a:srgbClr val="FFFFFF"/>
                 </a:solidFill>
                 <a:latin typeface="+mn-lt"/>
                 <a:ea typeface="+mn-ea"/>
@@ -6644,23 +6729,30 @@
           </a:lstStyle>
           <a:p>
             <a:r>
-              <a:rPr sz="7200" dirty="0" err="1"/>
-              <a:t>Гибкость</a:t>
-            </a:r>
-            <a:endParaRPr dirty="0"/>
+              <a:t>ИТОГИ</a:t>
+            </a:r>
           </a:p>
         </p:txBody>
       </p:sp>
-      <p:sp>
-        <p:nvSpPr>
-          <p:cNvPr id="210" name="Скорость"/>
-          <p:cNvSpPr txBox="1"/>
+      <p:pic>
+        <p:nvPicPr>
+          <p:cNvPr id="206" name="datascience-og.jpg" descr="datascience-og.jpg"/>
+          <p:cNvPicPr>
+            <a:picLocks noChangeAspect="1"/>
+          </p:cNvPicPr>
           <p:nvPr/>
-        </p:nvSpPr>
+        </p:nvPicPr>
+        <p:blipFill>
+          <a:blip r:embed="rId2"/>
+          <a:srcRect l="28906" r="28906"/>
+          <a:stretch>
+            <a:fillRect/>
+          </a:stretch>
+        </p:blipFill>
         <p:spPr>
           <a:xfrm>
-            <a:off x="4317877" y="6184000"/>
-            <a:ext cx="12456573" cy="1321354"/>
+            <a:off x="14083727" y="-1"/>
+            <a:ext cx="10287001" cy="13716001"/>
           </a:xfrm>
           <a:prstGeom prst="rect">
             <a:avLst/>
@@ -6668,172 +6760,8 @@
           <a:ln w="12700">
             <a:miter lim="400000"/>
           </a:ln>
-          <a:extLst>
-            <a:ext uri="{C572A759-6A51-4108-AA02-DFA0A04FC94B}">
-              <ma14:wrappingTextBoxFlag xmlns:ma14="http://schemas.microsoft.com/office/mac/drawingml/2011/main" xmlns:a14="http://schemas.microsoft.com/office/drawing/2010/main" xmlns:m="http://schemas.openxmlformats.org/officeDocument/2006/math" xmlns="" val="1"/>
-            </a:ext>
-          </a:extLst>
-        </p:spPr>
-        <p:txBody>
-          <a:bodyPr lIns="50800" tIns="50800" rIns="50800" bIns="50800">
-            <a:normAutofit/>
-          </a:bodyPr>
-          <a:lstStyle>
-            <a:lvl1pPr marL="859895" indent="-859895">
-              <a:lnSpc>
-                <a:spcPct val="80000"/>
-              </a:lnSpc>
-              <a:spcBef>
-                <a:spcPts val="3900"/>
-              </a:spcBef>
-              <a:buClr>
-                <a:schemeClr val="accent1"/>
-              </a:buClr>
-              <a:buSzPct val="104999"/>
-              <a:buFont typeface="Avenir Next Regular"/>
-              <a:buChar char="‣"/>
-              <a:defRPr sz="8300" cap="all">
-                <a:solidFill>
-                  <a:schemeClr val="accent1"/>
-                </a:solidFill>
-                <a:latin typeface="+mn-lt"/>
-                <a:ea typeface="+mn-ea"/>
-                <a:cs typeface="+mn-cs"/>
-                <a:sym typeface="DIN Condensed Bold"/>
-              </a:defRPr>
-            </a:lvl1pPr>
-          </a:lstStyle>
-          <a:p>
-            <a:r>
-              <a:rPr sz="7200" dirty="0" err="1"/>
-              <a:t>Скорость</a:t>
-            </a:r>
-            <a:endParaRPr sz="7200" dirty="0"/>
-          </a:p>
-        </p:txBody>
-      </p:sp>
-      <p:sp>
-        <p:nvSpPr>
-          <p:cNvPr id="211" name="Легковесность"/>
-          <p:cNvSpPr txBox="1"/>
-          <p:nvPr/>
-        </p:nvSpPr>
-        <p:spPr>
-          <a:xfrm>
-            <a:off x="4327703" y="7706102"/>
-            <a:ext cx="12005524" cy="1253922"/>
-          </a:xfrm>
-          <a:prstGeom prst="rect">
-            <a:avLst/>
-          </a:prstGeom>
-          <a:ln w="12700">
-            <a:miter lim="400000"/>
-          </a:ln>
-          <a:extLst>
-            <a:ext uri="{C572A759-6A51-4108-AA02-DFA0A04FC94B}">
-              <ma14:wrappingTextBoxFlag xmlns:ma14="http://schemas.microsoft.com/office/mac/drawingml/2011/main" xmlns:a14="http://schemas.microsoft.com/office/drawing/2010/main" xmlns:m="http://schemas.openxmlformats.org/officeDocument/2006/math" xmlns="" val="1"/>
-            </a:ext>
-          </a:extLst>
-        </p:spPr>
-        <p:txBody>
-          <a:bodyPr lIns="50800" tIns="50800" rIns="50800" bIns="50800">
-            <a:normAutofit/>
-          </a:bodyPr>
-          <a:lstStyle>
-            <a:lvl1pPr marL="859895" indent="-859895">
-              <a:lnSpc>
-                <a:spcPct val="80000"/>
-              </a:lnSpc>
-              <a:spcBef>
-                <a:spcPts val="3900"/>
-              </a:spcBef>
-              <a:buClr>
-                <a:schemeClr val="accent1"/>
-              </a:buClr>
-              <a:buSzPct val="104999"/>
-              <a:buFont typeface="Avenir Next Regular"/>
-              <a:buChar char="‣"/>
-              <a:defRPr sz="8300" cap="all">
-                <a:solidFill>
-                  <a:schemeClr val="accent1"/>
-                </a:solidFill>
-                <a:latin typeface="+mn-lt"/>
-                <a:ea typeface="+mn-ea"/>
-                <a:cs typeface="+mn-cs"/>
-                <a:sym typeface="DIN Condensed Bold"/>
-              </a:defRPr>
-            </a:lvl1pPr>
-          </a:lstStyle>
-          <a:p>
-            <a:r>
-              <a:rPr sz="7200" dirty="0" err="1"/>
-              <a:t>Легковесность</a:t>
-            </a:r>
-            <a:endParaRPr sz="7200" dirty="0"/>
-          </a:p>
-        </p:txBody>
-      </p:sp>
-      <p:sp>
-        <p:nvSpPr>
-          <p:cNvPr id="212" name="Качество"/>
-          <p:cNvSpPr txBox="1"/>
-          <p:nvPr/>
-        </p:nvSpPr>
-        <p:spPr>
-          <a:xfrm>
-            <a:off x="4346705" y="9160772"/>
-            <a:ext cx="12119920" cy="1346283"/>
-          </a:xfrm>
-          <a:prstGeom prst="rect">
-            <a:avLst/>
-          </a:prstGeom>
-          <a:ln w="12700">
-            <a:miter lim="400000"/>
-          </a:ln>
-          <a:extLst>
-            <a:ext uri="{C572A759-6A51-4108-AA02-DFA0A04FC94B}">
-              <ma14:wrappingTextBoxFlag xmlns:ma14="http://schemas.microsoft.com/office/mac/drawingml/2011/main" xmlns:a14="http://schemas.microsoft.com/office/drawing/2010/main" xmlns:m="http://schemas.openxmlformats.org/officeDocument/2006/math" xmlns="" val="1"/>
-            </a:ext>
-          </a:extLst>
-        </p:spPr>
-        <p:txBody>
-          <a:bodyPr lIns="50800" tIns="50800" rIns="50800" bIns="50800">
-            <a:normAutofit/>
-          </a:bodyPr>
-          <a:lstStyle>
-            <a:lvl1pPr marL="859895" indent="-859895">
-              <a:lnSpc>
-                <a:spcPct val="80000"/>
-              </a:lnSpc>
-              <a:spcBef>
-                <a:spcPts val="3900"/>
-              </a:spcBef>
-              <a:buClr>
-                <a:schemeClr val="accent1"/>
-              </a:buClr>
-              <a:buSzPct val="104999"/>
-              <a:buFont typeface="Avenir Next Regular"/>
-              <a:buChar char="‣"/>
-              <a:defRPr sz="8300" cap="all">
-                <a:solidFill>
-                  <a:schemeClr val="accent1"/>
-                </a:solidFill>
-                <a:latin typeface="+mn-lt"/>
-                <a:ea typeface="+mn-ea"/>
-                <a:cs typeface="+mn-cs"/>
-                <a:sym typeface="DIN Condensed Bold"/>
-              </a:defRPr>
-            </a:lvl1pPr>
-          </a:lstStyle>
-          <a:p>
-            <a:r>
-              <a:rPr sz="7200" dirty="0" err="1"/>
-              <a:t>Качество</a:t>
-            </a:r>
-            <a:endParaRPr sz="7200" dirty="0"/>
-          </a:p>
-        </p:txBody>
-      </p:sp>
+        </p:spPr>
+      </p:pic>
     </p:spTree>
   </p:cSld>
   <p:clrMapOvr>
@@ -6870,14 +6798,14 @@
       </p:grpSpPr>
       <p:sp>
         <p:nvSpPr>
-          <p:cNvPr id="214" name="Конец"/>
+          <p:cNvPr id="208" name="Предельная прозрачность"/>
           <p:cNvSpPr txBox="1"/>
           <p:nvPr/>
         </p:nvSpPr>
         <p:spPr>
           <a:xfrm>
-            <a:off x="2212171" y="4364681"/>
-            <a:ext cx="11997790" cy="1714431"/>
+            <a:off x="4285083" y="3208945"/>
+            <a:ext cx="12878668" cy="1516403"/>
           </a:xfrm>
           <a:prstGeom prst="rect">
             <a:avLst/>
@@ -6887,7 +6815,7 @@
           </a:ln>
           <a:extLst>
             <a:ext uri="{C572A759-6A51-4108-AA02-DFA0A04FC94B}">
-              <ma14:wrappingTextBoxFlag xmlns:ma14="http://schemas.microsoft.com/office/mac/drawingml/2011/main" xmlns:a14="http://schemas.microsoft.com/office/drawing/2010/main" xmlns:m="http://schemas.openxmlformats.org/officeDocument/2006/math" xmlns="" val="1"/>
+              <ma14:wrappingTextBoxFlag xmlns="" xmlns:m="http://schemas.openxmlformats.org/officeDocument/2006/math" xmlns:a14="http://schemas.microsoft.com/office/drawing/2010/main" xmlns:ma14="http://schemas.microsoft.com/office/mac/drawingml/2011/main" val="1"/>
             </a:ext>
           </a:extLst>
         </p:spPr>
@@ -6896,14 +6824,20 @@
             <a:normAutofit/>
           </a:bodyPr>
           <a:lstStyle>
-            <a:lvl1pPr>
+            <a:lvl1pPr marL="859895" indent="-859895">
               <a:lnSpc>
                 <a:spcPct val="80000"/>
               </a:lnSpc>
               <a:spcBef>
-                <a:spcPts val="0"/>
+                <a:spcPts val="3900"/>
               </a:spcBef>
-              <a:defRPr sz="5000" cap="all">
+              <a:buClr>
+                <a:schemeClr val="accent1"/>
+              </a:buClr>
+              <a:buSzPct val="104999"/>
+              <a:buFont typeface="Avenir Next Regular"/>
+              <a:buChar char="‣"/>
+              <a:defRPr sz="8300" cap="all">
                 <a:solidFill>
                   <a:schemeClr val="accent1"/>
                 </a:solidFill>
@@ -6916,21 +6850,31 @@
           </a:lstStyle>
           <a:p>
             <a:r>
-              <a:t>Конец</a:t>
-            </a:r>
+              <a:rPr sz="7200" dirty="0" err="1"/>
+              <a:t>Предельная</a:t>
+            </a:r>
+            <a:r>
+              <a:rPr sz="7200" dirty="0"/>
+              <a:t> </a:t>
+            </a:r>
+            <a:r>
+              <a:rPr sz="7200" dirty="0" err="1"/>
+              <a:t>прозрачность</a:t>
+            </a:r>
+            <a:endParaRPr sz="7200" dirty="0"/>
           </a:p>
         </p:txBody>
       </p:sp>
       <p:sp>
         <p:nvSpPr>
-          <p:cNvPr id="215" name="Спасибо…"/>
+          <p:cNvPr id="209" name="Гибкость"/>
           <p:cNvSpPr txBox="1"/>
           <p:nvPr/>
         </p:nvSpPr>
         <p:spPr>
           <a:xfrm>
-            <a:off x="2125611" y="5220798"/>
-            <a:ext cx="13945331" cy="4130521"/>
+            <a:off x="4314867" y="4742718"/>
+            <a:ext cx="12819101" cy="1423913"/>
           </a:xfrm>
           <a:prstGeom prst="rect">
             <a:avLst/>
@@ -6940,7 +6884,7 @@
           </a:ln>
           <a:extLst>
             <a:ext uri="{C572A759-6A51-4108-AA02-DFA0A04FC94B}">
-              <ma14:wrappingTextBoxFlag xmlns:ma14="http://schemas.microsoft.com/office/mac/drawingml/2011/main" xmlns:a14="http://schemas.microsoft.com/office/drawing/2010/main" xmlns:m="http://schemas.openxmlformats.org/officeDocument/2006/math" xmlns="" val="1"/>
+              <ma14:wrappingTextBoxFlag xmlns="" xmlns:m="http://schemas.openxmlformats.org/officeDocument/2006/math" xmlns:a14="http://schemas.microsoft.com/office/drawing/2010/main" xmlns:ma14="http://schemas.microsoft.com/office/mac/drawingml/2011/main" val="1"/>
             </a:ext>
           </a:extLst>
         </p:spPr>
@@ -6948,72 +6892,111 @@
           <a:bodyPr lIns="50800" tIns="50800" rIns="50800" bIns="50800">
             <a:normAutofit/>
           </a:bodyPr>
-          <a:lstStyle/>
-          <a:p>
-            <a:pPr>
+          <a:lstStyle>
+            <a:lvl1pPr marL="859895" indent="-859895">
               <a:lnSpc>
                 <a:spcPct val="80000"/>
               </a:lnSpc>
               <a:spcBef>
-                <a:spcPts val="0"/>
+                <a:spcPts val="3900"/>
               </a:spcBef>
-              <a:defRPr sz="13000" cap="all">
+              <a:buClr>
+                <a:schemeClr val="accent1"/>
+              </a:buClr>
+              <a:buSzPct val="104999"/>
+              <a:buFont typeface="Avenir Next Regular"/>
+              <a:buChar char="‣"/>
+              <a:defRPr sz="8300" cap="all">
                 <a:solidFill>
-                  <a:srgbClr val="FFFFFF"/>
+                  <a:schemeClr val="accent1"/>
                 </a:solidFill>
                 <a:latin typeface="+mn-lt"/>
                 <a:ea typeface="+mn-ea"/>
                 <a:cs typeface="+mn-cs"/>
                 <a:sym typeface="DIN Condensed Bold"/>
               </a:defRPr>
-            </a:pPr>
-            <a:r>
-              <a:t>Спасибо </a:t>
-            </a:r>
-          </a:p>
-          <a:p>
-            <a:pPr>
+            </a:lvl1pPr>
+          </a:lstStyle>
+          <a:p>
+            <a:r>
+              <a:rPr sz="7200" dirty="0" err="1"/>
+              <a:t>Гибкость</a:t>
+            </a:r>
+            <a:endParaRPr dirty="0"/>
+          </a:p>
+        </p:txBody>
+      </p:sp>
+      <p:sp>
+        <p:nvSpPr>
+          <p:cNvPr id="210" name="Скорость"/>
+          <p:cNvSpPr txBox="1"/>
+          <p:nvPr/>
+        </p:nvSpPr>
+        <p:spPr>
+          <a:xfrm>
+            <a:off x="4317877" y="6184000"/>
+            <a:ext cx="12456573" cy="1321354"/>
+          </a:xfrm>
+          <a:prstGeom prst="rect">
+            <a:avLst/>
+          </a:prstGeom>
+          <a:ln w="12700">
+            <a:miter lim="400000"/>
+          </a:ln>
+          <a:extLst>
+            <a:ext uri="{C572A759-6A51-4108-AA02-DFA0A04FC94B}">
+              <ma14:wrappingTextBoxFlag xmlns="" xmlns:m="http://schemas.openxmlformats.org/officeDocument/2006/math" xmlns:a14="http://schemas.microsoft.com/office/drawing/2010/main" xmlns:ma14="http://schemas.microsoft.com/office/mac/drawingml/2011/main" val="1"/>
+            </a:ext>
+          </a:extLst>
+        </p:spPr>
+        <p:txBody>
+          <a:bodyPr lIns="50800" tIns="50800" rIns="50800" bIns="50800">
+            <a:normAutofit/>
+          </a:bodyPr>
+          <a:lstStyle>
+            <a:lvl1pPr marL="859895" indent="-859895">
               <a:lnSpc>
                 <a:spcPct val="80000"/>
               </a:lnSpc>
               <a:spcBef>
-                <a:spcPts val="0"/>
+                <a:spcPts val="3900"/>
               </a:spcBef>
-              <a:defRPr sz="13000" cap="all">
+              <a:buClr>
+                <a:schemeClr val="accent1"/>
+              </a:buClr>
+              <a:buSzPct val="104999"/>
+              <a:buFont typeface="Avenir Next Regular"/>
+              <a:buChar char="‣"/>
+              <a:defRPr sz="8300" cap="all">
                 <a:solidFill>
-                  <a:srgbClr val="FFFFFF"/>
+                  <a:schemeClr val="accent1"/>
                 </a:solidFill>
                 <a:latin typeface="+mn-lt"/>
                 <a:ea typeface="+mn-ea"/>
                 <a:cs typeface="+mn-cs"/>
                 <a:sym typeface="DIN Condensed Bold"/>
               </a:defRPr>
-            </a:pPr>
-            <a:r>
-              <a:t>за внимание</a:t>
-            </a:r>
+            </a:lvl1pPr>
+          </a:lstStyle>
+          <a:p>
+            <a:r>
+              <a:rPr sz="7200" dirty="0" err="1"/>
+              <a:t>Скорость</a:t>
+            </a:r>
+            <a:endParaRPr sz="7200" dirty="0"/>
           </a:p>
         </p:txBody>
       </p:sp>
-      <p:pic>
-        <p:nvPicPr>
-          <p:cNvPr id="216" name="0_DypQzAMdE9cudggX.jpeg" descr="0_DypQzAMdE9cudggX.jpeg"/>
-          <p:cNvPicPr>
-            <a:picLocks noChangeAspect="1"/>
-          </p:cNvPicPr>
+      <p:sp>
+        <p:nvSpPr>
+          <p:cNvPr id="211" name="Легковесность"/>
+          <p:cNvSpPr txBox="1"/>
           <p:nvPr/>
-        </p:nvPicPr>
-        <p:blipFill>
-          <a:blip r:embed="rId2"/>
-          <a:srcRect l="24982" r="24982"/>
-          <a:stretch>
-            <a:fillRect/>
-          </a:stretch>
-        </p:blipFill>
+        </p:nvSpPr>
         <p:spPr>
           <a:xfrm>
-            <a:off x="14080577" y="0"/>
-            <a:ext cx="10287001" cy="13716000"/>
+            <a:off x="4327703" y="7706102"/>
+            <a:ext cx="12005524" cy="1253922"/>
           </a:xfrm>
           <a:prstGeom prst="rect">
             <a:avLst/>
@@ -7021,8 +7004,111 @@
           <a:ln w="12700">
             <a:miter lim="400000"/>
           </a:ln>
-        </p:spPr>
-      </p:pic>
+          <a:extLst>
+            <a:ext uri="{C572A759-6A51-4108-AA02-DFA0A04FC94B}">
+              <ma14:wrappingTextBoxFlag xmlns="" xmlns:m="http://schemas.openxmlformats.org/officeDocument/2006/math" xmlns:a14="http://schemas.microsoft.com/office/drawing/2010/main" xmlns:ma14="http://schemas.microsoft.com/office/mac/drawingml/2011/main" val="1"/>
+            </a:ext>
+          </a:extLst>
+        </p:spPr>
+        <p:txBody>
+          <a:bodyPr lIns="50800" tIns="50800" rIns="50800" bIns="50800">
+            <a:normAutofit/>
+          </a:bodyPr>
+          <a:lstStyle>
+            <a:lvl1pPr marL="859895" indent="-859895">
+              <a:lnSpc>
+                <a:spcPct val="80000"/>
+              </a:lnSpc>
+              <a:spcBef>
+                <a:spcPts val="3900"/>
+              </a:spcBef>
+              <a:buClr>
+                <a:schemeClr val="accent1"/>
+              </a:buClr>
+              <a:buSzPct val="104999"/>
+              <a:buFont typeface="Avenir Next Regular"/>
+              <a:buChar char="‣"/>
+              <a:defRPr sz="8300" cap="all">
+                <a:solidFill>
+                  <a:schemeClr val="accent1"/>
+                </a:solidFill>
+                <a:latin typeface="+mn-lt"/>
+                <a:ea typeface="+mn-ea"/>
+                <a:cs typeface="+mn-cs"/>
+                <a:sym typeface="DIN Condensed Bold"/>
+              </a:defRPr>
+            </a:lvl1pPr>
+          </a:lstStyle>
+          <a:p>
+            <a:r>
+              <a:rPr sz="7200" dirty="0" err="1"/>
+              <a:t>Легковесность</a:t>
+            </a:r>
+            <a:endParaRPr sz="7200" dirty="0"/>
+          </a:p>
+        </p:txBody>
+      </p:sp>
+      <p:sp>
+        <p:nvSpPr>
+          <p:cNvPr id="212" name="Качество"/>
+          <p:cNvSpPr txBox="1"/>
+          <p:nvPr/>
+        </p:nvSpPr>
+        <p:spPr>
+          <a:xfrm>
+            <a:off x="4346705" y="9160772"/>
+            <a:ext cx="12119920" cy="1346283"/>
+          </a:xfrm>
+          <a:prstGeom prst="rect">
+            <a:avLst/>
+          </a:prstGeom>
+          <a:ln w="12700">
+            <a:miter lim="400000"/>
+          </a:ln>
+          <a:extLst>
+            <a:ext uri="{C572A759-6A51-4108-AA02-DFA0A04FC94B}">
+              <ma14:wrappingTextBoxFlag xmlns="" xmlns:m="http://schemas.openxmlformats.org/officeDocument/2006/math" xmlns:a14="http://schemas.microsoft.com/office/drawing/2010/main" xmlns:ma14="http://schemas.microsoft.com/office/mac/drawingml/2011/main" val="1"/>
+            </a:ext>
+          </a:extLst>
+        </p:spPr>
+        <p:txBody>
+          <a:bodyPr lIns="50800" tIns="50800" rIns="50800" bIns="50800">
+            <a:normAutofit/>
+          </a:bodyPr>
+          <a:lstStyle>
+            <a:lvl1pPr marL="859895" indent="-859895">
+              <a:lnSpc>
+                <a:spcPct val="80000"/>
+              </a:lnSpc>
+              <a:spcBef>
+                <a:spcPts val="3900"/>
+              </a:spcBef>
+              <a:buClr>
+                <a:schemeClr val="accent1"/>
+              </a:buClr>
+              <a:buSzPct val="104999"/>
+              <a:buFont typeface="Avenir Next Regular"/>
+              <a:buChar char="‣"/>
+              <a:defRPr sz="8300" cap="all">
+                <a:solidFill>
+                  <a:schemeClr val="accent1"/>
+                </a:solidFill>
+                <a:latin typeface="+mn-lt"/>
+                <a:ea typeface="+mn-ea"/>
+                <a:cs typeface="+mn-cs"/>
+                <a:sym typeface="DIN Condensed Bold"/>
+              </a:defRPr>
+            </a:lvl1pPr>
+          </a:lstStyle>
+          <a:p>
+            <a:r>
+              <a:rPr sz="7200" dirty="0" err="1"/>
+              <a:t>Качество</a:t>
+            </a:r>
+            <a:endParaRPr sz="7200" dirty="0"/>
+          </a:p>
+        </p:txBody>
+      </p:sp>
     </p:spTree>
   </p:cSld>
   <p:clrMapOvr>
